--- a/ibmcloud-architecture-diagram-template.pptx
+++ b/ibmcloud-architecture-diagram-template.pptx
@@ -525,7 +525,7 @@
           <a:p>
             <a:r>
               <a:rPr lang="en-US" dirty="0" smtClean="0"/>
-              <a:t>Generated on Sat Dec 07 2019 14:38:53 GMT-0500 (EST)</a:t>
+              <a:t>Generated on Sat Dec 07 2019 14:39:43 GMT-0500 (EST)</a:t>
             </a:r>
             <a:endParaRPr lang="en-US" dirty="0"/>
           </a:p>
